--- a/science/daylight.pptx
+++ b/science/daylight.pptx
@@ -104,6 +104,11 @@
       </a:defRPr>
     </a:lvl9pPr>
   </p:defaultTextStyle>
+  <p:extLst>
+    <p:ext uri="{EFAFB233-063F-42B5-8137-9DF3F51BA10A}">
+      <p15:sldGuideLst xmlns:p15="http://schemas.microsoft.com/office/powerpoint/2012/main"/>
+    </p:ext>
+  </p:extLst>
 </p:presentation>
 </file>
 
@@ -3686,8 +3691,8 @@
           </a:p>
         </p:txBody>
       </p:sp>
-      <mc:AlternateContent xmlns:mc="http://schemas.openxmlformats.org/markup-compatibility/2006">
-        <mc:Choice xmlns:a14="http://schemas.microsoft.com/office/drawing/2010/main" Requires="a14">
+      <mc:AlternateContent xmlns:mc="http://schemas.openxmlformats.org/markup-compatibility/2006" xmlns:a14="http://schemas.microsoft.com/office/drawing/2010/main">
+        <mc:Choice Requires="a14">
           <p:sp>
             <p:nvSpPr>
               <p:cNvPr id="15" name="TextBox 14">
@@ -3716,6 +3721,7 @@
               </a:bodyPr>
               <a:lstStyle/>
               <a:p>
+                <a:pPr/>
                 <a14:m>
                   <m:oMathPara xmlns:m="http://schemas.openxmlformats.org/officeDocument/2006/math">
                     <m:oMathParaPr>
@@ -3749,7 +3755,7 @@
             </p:txBody>
           </p:sp>
         </mc:Choice>
-        <mc:Fallback>
+        <mc:Fallback xmlns="">
           <p:sp>
             <p:nvSpPr>
               <p:cNvPr id="15" name="TextBox 14">
@@ -3794,8 +3800,8 @@
           </p:sp>
         </mc:Fallback>
       </mc:AlternateContent>
-      <mc:AlternateContent xmlns:mc="http://schemas.openxmlformats.org/markup-compatibility/2006">
-        <mc:Choice xmlns:a14="http://schemas.microsoft.com/office/drawing/2010/main" Requires="a14">
+      <mc:AlternateContent xmlns:mc="http://schemas.openxmlformats.org/markup-compatibility/2006" xmlns:a14="http://schemas.microsoft.com/office/drawing/2010/main">
+        <mc:Choice Requires="a14">
           <p:sp>
             <p:nvSpPr>
               <p:cNvPr id="16" name="TextBox 15">
@@ -3824,6 +3830,7 @@
               </a:bodyPr>
               <a:lstStyle/>
               <a:p>
+                <a:pPr/>
                 <a14:m>
                   <m:oMathPara xmlns:m="http://schemas.openxmlformats.org/officeDocument/2006/math">
                     <m:oMathParaPr>
@@ -3845,7 +3852,7 @@
             </p:txBody>
           </p:sp>
         </mc:Choice>
-        <mc:Fallback>
+        <mc:Fallback xmlns="">
           <p:sp>
             <p:nvSpPr>
               <p:cNvPr id="16" name="TextBox 15">
@@ -4625,8 +4632,8 @@
           </a:p>
         </p:txBody>
       </p:sp>
-      <mc:AlternateContent xmlns:mc="http://schemas.openxmlformats.org/markup-compatibility/2006">
-        <mc:Choice xmlns:a14="http://schemas.microsoft.com/office/drawing/2010/main" Requires="a14">
+      <mc:AlternateContent xmlns:mc="http://schemas.openxmlformats.org/markup-compatibility/2006" xmlns:a14="http://schemas.microsoft.com/office/drawing/2010/main">
+        <mc:Choice Requires="a14">
           <p:sp>
             <p:nvSpPr>
               <p:cNvPr id="55" name="TextBox 54">
@@ -5687,7 +5694,7 @@
             </p:txBody>
           </p:sp>
         </mc:Choice>
-        <mc:Fallback>
+        <mc:Fallback xmlns="">
           <p:sp>
             <p:nvSpPr>
               <p:cNvPr id="55" name="TextBox 54">
@@ -5845,8 +5852,8 @@
           </a:p>
         </p:txBody>
       </p:sp>
-      <mc:AlternateContent xmlns:mc="http://schemas.openxmlformats.org/markup-compatibility/2006">
-        <mc:Choice xmlns:a14="http://schemas.microsoft.com/office/drawing/2010/main" Requires="a14">
+      <mc:AlternateContent xmlns:mc="http://schemas.openxmlformats.org/markup-compatibility/2006" xmlns:a14="http://schemas.microsoft.com/office/drawing/2010/main">
+        <mc:Choice Requires="a14">
           <p:sp>
             <p:nvSpPr>
               <p:cNvPr id="60" name="TextBox 59">
@@ -5875,6 +5882,7 @@
               </a:bodyPr>
               <a:lstStyle/>
               <a:p>
+                <a:pPr/>
                 <a14:m>
                   <m:oMathPara xmlns:m="http://schemas.openxmlformats.org/officeDocument/2006/math">
                     <m:oMathParaPr>
@@ -5896,7 +5904,7 @@
             </p:txBody>
           </p:sp>
         </mc:Choice>
-        <mc:Fallback>
+        <mc:Fallback xmlns="">
           <p:sp>
             <p:nvSpPr>
               <p:cNvPr id="60" name="TextBox 59">
@@ -5941,8 +5949,8 @@
           </p:sp>
         </mc:Fallback>
       </mc:AlternateContent>
-      <mc:AlternateContent xmlns:mc="http://schemas.openxmlformats.org/markup-compatibility/2006">
-        <mc:Choice xmlns:a14="http://schemas.microsoft.com/office/drawing/2010/main" Requires="a14">
+      <mc:AlternateContent xmlns:mc="http://schemas.openxmlformats.org/markup-compatibility/2006" xmlns:a14="http://schemas.microsoft.com/office/drawing/2010/main">
+        <mc:Choice Requires="a14">
           <p:sp>
             <p:nvSpPr>
               <p:cNvPr id="61" name="TextBox 60">
@@ -5971,6 +5979,7 @@
               </a:bodyPr>
               <a:lstStyle/>
               <a:p>
+                <a:pPr/>
                 <a14:m>
                   <m:oMathPara xmlns:m="http://schemas.openxmlformats.org/officeDocument/2006/math">
                     <m:oMathParaPr>
@@ -5992,7 +6001,7 @@
             </p:txBody>
           </p:sp>
         </mc:Choice>
-        <mc:Fallback>
+        <mc:Fallback xmlns="">
           <p:sp>
             <p:nvSpPr>
               <p:cNvPr id="61" name="TextBox 60">
@@ -6037,8 +6046,8 @@
           </p:sp>
         </mc:Fallback>
       </mc:AlternateContent>
-      <mc:AlternateContent xmlns:mc="http://schemas.openxmlformats.org/markup-compatibility/2006">
-        <mc:Choice xmlns:a14="http://schemas.microsoft.com/office/drawing/2010/main" Requires="a14">
+      <mc:AlternateContent xmlns:mc="http://schemas.openxmlformats.org/markup-compatibility/2006" xmlns:a14="http://schemas.microsoft.com/office/drawing/2010/main">
+        <mc:Choice Requires="a14">
           <p:sp>
             <p:nvSpPr>
               <p:cNvPr id="62" name="TextBox 61">
@@ -6067,6 +6076,7 @@
               </a:bodyPr>
               <a:lstStyle/>
               <a:p>
+                <a:pPr/>
                 <a14:m>
                   <m:oMathPara xmlns:m="http://schemas.openxmlformats.org/officeDocument/2006/math">
                     <m:oMathParaPr>
@@ -6088,7 +6098,7 @@
             </p:txBody>
           </p:sp>
         </mc:Choice>
-        <mc:Fallback>
+        <mc:Fallback xmlns="">
           <p:sp>
             <p:nvSpPr>
               <p:cNvPr id="62" name="TextBox 61">
@@ -6149,7 +6159,7 @@
             </p:nvSpPr>
             <p:spPr>
               <a:xfrm>
-                <a:off x="203137" y="5439832"/>
+                <a:off x="181002" y="5169048"/>
                 <a:ext cx="6906410" cy="369332"/>
               </a:xfrm>
               <a:prstGeom prst="rect">
@@ -6169,517 +6179,514 @@
                 </a:r>
               </a:p>
               <a:p>
+                <a:pPr marL="285750" indent="-285750">
+                  <a:buFont typeface="Arial" panose="020B0604020202020204" pitchFamily="34" charset="0"/>
+                  <a:buChar char="•"/>
+                </a:pPr>
                 <a14:m>
-                  <m:oMathPara xmlns:m="http://schemas.openxmlformats.org/officeDocument/2006/math">
-                    <m:oMathParaPr>
-                      <m:jc m:val="centerGroup"/>
-                    </m:oMathParaPr>
-                    <m:oMath xmlns:m="http://schemas.openxmlformats.org/officeDocument/2006/math">
-                      <m:func>
-                        <m:funcPr>
-                          <m:ctrlPr>
-                            <a:rPr lang="en-US" b="0" i="1" smtClean="0">
-                              <a:latin typeface="Cambria Math" panose="02040503050406030204" pitchFamily="18" charset="0"/>
-                            </a:rPr>
-                          </m:ctrlPr>
-                        </m:funcPr>
-                        <m:fName>
-                          <m:r>
-                            <m:rPr>
-                              <m:sty m:val="p"/>
-                            </m:rPr>
-                            <a:rPr lang="en-US" b="0" i="0" smtClean="0">
-                              <a:latin typeface="Cambria Math" panose="02040503050406030204" pitchFamily="18" charset="0"/>
-                            </a:rPr>
-                            <m:t>cos</m:t>
-                          </m:r>
-                        </m:fName>
-                        <m:e>
-                          <m:d>
-                            <m:dPr>
-                              <m:ctrlPr>
-                                <a:rPr lang="en-US" b="0" i="1" smtClean="0">
-                                  <a:latin typeface="Cambria Math" panose="02040503050406030204" pitchFamily="18" charset="0"/>
-                                </a:rPr>
-                              </m:ctrlPr>
-                            </m:dPr>
-                            <m:e>
-                              <m:r>
-                                <a:rPr lang="en-US" b="0" i="1" smtClean="0">
-                                  <a:latin typeface="Cambria Math" panose="02040503050406030204" pitchFamily="18" charset="0"/>
-                                  <a:ea typeface="Cambria Math" panose="02040503050406030204" pitchFamily="18" charset="0"/>
-                                </a:rPr>
-                                <m:t>𝛼</m:t>
-                              </m:r>
-                            </m:e>
-                          </m:d>
-                        </m:e>
-                      </m:func>
-                      <m:r>
-                        <a:rPr lang="en-US" b="0" i="1" smtClean="0">
-                          <a:latin typeface="Cambria Math" panose="02040503050406030204" pitchFamily="18" charset="0"/>
-                          <a:ea typeface="Cambria Math" panose="02040503050406030204" pitchFamily="18" charset="0"/>
-                        </a:rPr>
-                        <m:t>=</m:t>
-                      </m:r>
-                      <m:func>
-                        <m:funcPr>
-                          <m:ctrlPr>
-                            <a:rPr lang="en-US" b="0" i="1" smtClean="0">
-                              <a:latin typeface="Cambria Math" panose="02040503050406030204" pitchFamily="18" charset="0"/>
-                              <a:ea typeface="Cambria Math" panose="02040503050406030204" pitchFamily="18" charset="0"/>
-                            </a:rPr>
-                          </m:ctrlPr>
-                        </m:funcPr>
-                        <m:fName>
-                          <m:r>
-                            <m:rPr>
-                              <m:sty m:val="p"/>
-                            </m:rPr>
-                            <a:rPr lang="en-US" b="0" i="0" smtClean="0">
-                              <a:latin typeface="Cambria Math" panose="02040503050406030204" pitchFamily="18" charset="0"/>
-                              <a:ea typeface="Cambria Math" panose="02040503050406030204" pitchFamily="18" charset="0"/>
-                            </a:rPr>
-                            <m:t>cos</m:t>
-                          </m:r>
-                        </m:fName>
-                        <m:e>
-                          <m:d>
-                            <m:dPr>
-                              <m:ctrlPr>
-                                <a:rPr lang="en-US" b="0" i="1" smtClean="0">
-                                  <a:latin typeface="Cambria Math" panose="02040503050406030204" pitchFamily="18" charset="0"/>
-                                  <a:ea typeface="Cambria Math" panose="02040503050406030204" pitchFamily="18" charset="0"/>
-                                </a:rPr>
-                              </m:ctrlPr>
-                            </m:dPr>
-                            <m:e>
-                              <m:r>
-                                <a:rPr lang="en-US" b="0" i="1" smtClean="0">
-                                  <a:latin typeface="Cambria Math" panose="02040503050406030204" pitchFamily="18" charset="0"/>
-                                  <a:ea typeface="Cambria Math" panose="02040503050406030204" pitchFamily="18" charset="0"/>
-                                </a:rPr>
-                                <m:t>𝐴</m:t>
-                              </m:r>
-                            </m:e>
-                          </m:d>
-                        </m:e>
-                      </m:func>
-                      <m:func>
-                        <m:funcPr>
-                          <m:ctrlPr>
-                            <a:rPr lang="en-US" b="0" i="1" smtClean="0">
-                              <a:latin typeface="Cambria Math" panose="02040503050406030204" pitchFamily="18" charset="0"/>
-                              <a:ea typeface="Cambria Math" panose="02040503050406030204" pitchFamily="18" charset="0"/>
-                            </a:rPr>
-                          </m:ctrlPr>
-                        </m:funcPr>
-                        <m:fName>
-                          <m:r>
-                            <m:rPr>
-                              <m:sty m:val="p"/>
-                            </m:rPr>
-                            <a:rPr lang="en-US" b="0" i="0" smtClean="0">
-                              <a:latin typeface="Cambria Math" panose="02040503050406030204" pitchFamily="18" charset="0"/>
-                              <a:ea typeface="Cambria Math" panose="02040503050406030204" pitchFamily="18" charset="0"/>
-                            </a:rPr>
-                            <m:t>sin</m:t>
-                          </m:r>
-                        </m:fName>
-                        <m:e>
-                          <m:d>
-                            <m:dPr>
-                              <m:ctrlPr>
-                                <a:rPr lang="en-US" b="0" i="1" smtClean="0">
-                                  <a:latin typeface="Cambria Math" panose="02040503050406030204" pitchFamily="18" charset="0"/>
-                                  <a:ea typeface="Cambria Math" panose="02040503050406030204" pitchFamily="18" charset="0"/>
-                                </a:rPr>
-                              </m:ctrlPr>
-                            </m:dPr>
-                            <m:e>
-                              <m:r>
-                                <a:rPr lang="en-US" b="0" i="1" smtClean="0">
-                                  <a:latin typeface="Cambria Math" panose="02040503050406030204" pitchFamily="18" charset="0"/>
-                                  <a:ea typeface="Cambria Math" panose="02040503050406030204" pitchFamily="18" charset="0"/>
-                                </a:rPr>
-                                <m:t>𝛽</m:t>
-                              </m:r>
-                            </m:e>
-                          </m:d>
-                        </m:e>
-                      </m:func>
-                      <m:func>
-                        <m:funcPr>
-                          <m:ctrlPr>
-                            <a:rPr lang="en-US" b="0" i="1" smtClean="0">
-                              <a:latin typeface="Cambria Math" panose="02040503050406030204" pitchFamily="18" charset="0"/>
-                              <a:ea typeface="Cambria Math" panose="02040503050406030204" pitchFamily="18" charset="0"/>
-                            </a:rPr>
-                          </m:ctrlPr>
-                        </m:funcPr>
-                        <m:fName>
-                          <m:r>
-                            <m:rPr>
-                              <m:sty m:val="p"/>
-                            </m:rPr>
-                            <a:rPr lang="en-US" b="0" i="0" smtClean="0">
-                              <a:latin typeface="Cambria Math" panose="02040503050406030204" pitchFamily="18" charset="0"/>
-                              <a:ea typeface="Cambria Math" panose="02040503050406030204" pitchFamily="18" charset="0"/>
-                            </a:rPr>
-                            <m:t>sin</m:t>
-                          </m:r>
-                        </m:fName>
-                        <m:e>
-                          <m:d>
-                            <m:dPr>
-                              <m:ctrlPr>
-                                <a:rPr lang="en-US" b="0" i="1" smtClean="0">
-                                  <a:latin typeface="Cambria Math" panose="02040503050406030204" pitchFamily="18" charset="0"/>
-                                  <a:ea typeface="Cambria Math" panose="02040503050406030204" pitchFamily="18" charset="0"/>
-                                </a:rPr>
-                              </m:ctrlPr>
-                            </m:dPr>
-                            <m:e>
-                              <m:r>
-                                <a:rPr lang="en-US" b="0" i="1" smtClean="0">
-                                  <a:latin typeface="Cambria Math" panose="02040503050406030204" pitchFamily="18" charset="0"/>
-                                  <a:ea typeface="Cambria Math" panose="02040503050406030204" pitchFamily="18" charset="0"/>
-                                </a:rPr>
-                                <m:t>𝛾</m:t>
-                              </m:r>
-                            </m:e>
-                          </m:d>
-                        </m:e>
-                      </m:func>
-                      <m:r>
-                        <a:rPr lang="en-US" b="0" i="1" smtClean="0">
-                          <a:latin typeface="Cambria Math" panose="02040503050406030204" pitchFamily="18" charset="0"/>
-                          <a:ea typeface="Cambria Math" panose="02040503050406030204" pitchFamily="18" charset="0"/>
-                        </a:rPr>
-                        <m:t>+</m:t>
-                      </m:r>
-                      <m:func>
-                        <m:funcPr>
-                          <m:ctrlPr>
-                            <a:rPr lang="en-US" b="0" i="1" smtClean="0">
-                              <a:latin typeface="Cambria Math" panose="02040503050406030204" pitchFamily="18" charset="0"/>
-                              <a:ea typeface="Cambria Math" panose="02040503050406030204" pitchFamily="18" charset="0"/>
-                            </a:rPr>
-                          </m:ctrlPr>
-                        </m:funcPr>
-                        <m:fName>
-                          <m:r>
-                            <m:rPr>
-                              <m:sty m:val="p"/>
-                            </m:rPr>
-                            <a:rPr lang="en-US" b="0" i="0" smtClean="0">
-                              <a:latin typeface="Cambria Math" panose="02040503050406030204" pitchFamily="18" charset="0"/>
-                              <a:ea typeface="Cambria Math" panose="02040503050406030204" pitchFamily="18" charset="0"/>
-                            </a:rPr>
-                            <m:t>cos</m:t>
-                          </m:r>
-                        </m:fName>
-                        <m:e>
-                          <m:d>
-                            <m:dPr>
-                              <m:ctrlPr>
-                                <a:rPr lang="en-US" b="0" i="1" smtClean="0">
-                                  <a:latin typeface="Cambria Math" panose="02040503050406030204" pitchFamily="18" charset="0"/>
-                                  <a:ea typeface="Cambria Math" panose="02040503050406030204" pitchFamily="18" charset="0"/>
-                                </a:rPr>
-                              </m:ctrlPr>
-                            </m:dPr>
-                            <m:e>
-                              <m:r>
-                                <a:rPr lang="en-US" b="0" i="1" smtClean="0">
-                                  <a:latin typeface="Cambria Math" panose="02040503050406030204" pitchFamily="18" charset="0"/>
-                                  <a:ea typeface="Cambria Math" panose="02040503050406030204" pitchFamily="18" charset="0"/>
-                                </a:rPr>
-                                <m:t>𝛽</m:t>
-                              </m:r>
-                            </m:e>
-                          </m:d>
-                        </m:e>
-                      </m:func>
-                      <m:func>
-                        <m:funcPr>
-                          <m:ctrlPr>
-                            <a:rPr lang="en-US" b="0" i="1" smtClean="0">
-                              <a:latin typeface="Cambria Math" panose="02040503050406030204" pitchFamily="18" charset="0"/>
-                              <a:ea typeface="Cambria Math" panose="02040503050406030204" pitchFamily="18" charset="0"/>
-                            </a:rPr>
-                          </m:ctrlPr>
-                        </m:funcPr>
-                        <m:fName>
-                          <m:r>
-                            <m:rPr>
-                              <m:sty m:val="p"/>
-                            </m:rPr>
-                            <a:rPr lang="en-US" b="0" i="0" smtClean="0">
-                              <a:latin typeface="Cambria Math" panose="02040503050406030204" pitchFamily="18" charset="0"/>
-                              <a:ea typeface="Cambria Math" panose="02040503050406030204" pitchFamily="18" charset="0"/>
-                            </a:rPr>
-                            <m:t>cos</m:t>
-                          </m:r>
-                        </m:fName>
-                        <m:e>
-                          <m:d>
-                            <m:dPr>
-                              <m:ctrlPr>
-                                <a:rPr lang="en-US" b="0" i="1" smtClean="0">
-                                  <a:latin typeface="Cambria Math" panose="02040503050406030204" pitchFamily="18" charset="0"/>
-                                  <a:ea typeface="Cambria Math" panose="02040503050406030204" pitchFamily="18" charset="0"/>
-                                </a:rPr>
-                              </m:ctrlPr>
-                            </m:dPr>
-                            <m:e>
-                              <m:r>
-                                <a:rPr lang="en-US" b="0" i="1" smtClean="0">
-                                  <a:latin typeface="Cambria Math" panose="02040503050406030204" pitchFamily="18" charset="0"/>
-                                  <a:ea typeface="Cambria Math" panose="02040503050406030204" pitchFamily="18" charset="0"/>
-                                </a:rPr>
-                                <m:t>𝛾</m:t>
-                              </m:r>
-                            </m:e>
-                          </m:d>
-                        </m:e>
-                      </m:func>
-                    </m:oMath>
-                  </m:oMathPara>
+                  <m:oMath xmlns:m="http://schemas.openxmlformats.org/officeDocument/2006/math">
+                    <m:func>
+                      <m:funcPr>
+                        <m:ctrlPr>
+                          <a:rPr lang="en-US" b="0" i="1" smtClean="0">
+                            <a:latin typeface="Cambria Math" panose="02040503050406030204" pitchFamily="18" charset="0"/>
+                          </a:rPr>
+                        </m:ctrlPr>
+                      </m:funcPr>
+                      <m:fName>
+                        <m:r>
+                          <m:rPr>
+                            <m:sty m:val="p"/>
+                          </m:rPr>
+                          <a:rPr lang="en-US" b="0" i="0" smtClean="0">
+                            <a:latin typeface="Cambria Math" panose="02040503050406030204" pitchFamily="18" charset="0"/>
+                          </a:rPr>
+                          <m:t>cos</m:t>
+                        </m:r>
+                      </m:fName>
+                      <m:e>
+                        <m:d>
+                          <m:dPr>
+                            <m:ctrlPr>
+                              <a:rPr lang="en-US" b="0" i="1" smtClean="0">
+                                <a:latin typeface="Cambria Math" panose="02040503050406030204" pitchFamily="18" charset="0"/>
+                              </a:rPr>
+                            </m:ctrlPr>
+                          </m:dPr>
+                          <m:e>
+                            <m:r>
+                              <a:rPr lang="en-US" b="0" i="1" smtClean="0">
+                                <a:latin typeface="Cambria Math" panose="02040503050406030204" pitchFamily="18" charset="0"/>
+                                <a:ea typeface="Cambria Math" panose="02040503050406030204" pitchFamily="18" charset="0"/>
+                              </a:rPr>
+                              <m:t>𝛼</m:t>
+                            </m:r>
+                          </m:e>
+                        </m:d>
+                      </m:e>
+                    </m:func>
+                    <m:r>
+                      <a:rPr lang="en-US" b="0" i="1" smtClean="0">
+                        <a:latin typeface="Cambria Math" panose="02040503050406030204" pitchFamily="18" charset="0"/>
+                        <a:ea typeface="Cambria Math" panose="02040503050406030204" pitchFamily="18" charset="0"/>
+                      </a:rPr>
+                      <m:t>=</m:t>
+                    </m:r>
+                    <m:func>
+                      <m:funcPr>
+                        <m:ctrlPr>
+                          <a:rPr lang="en-US" b="0" i="1" smtClean="0">
+                            <a:latin typeface="Cambria Math" panose="02040503050406030204" pitchFamily="18" charset="0"/>
+                            <a:ea typeface="Cambria Math" panose="02040503050406030204" pitchFamily="18" charset="0"/>
+                          </a:rPr>
+                        </m:ctrlPr>
+                      </m:funcPr>
+                      <m:fName>
+                        <m:r>
+                          <m:rPr>
+                            <m:sty m:val="p"/>
+                          </m:rPr>
+                          <a:rPr lang="en-US" b="0" i="0" smtClean="0">
+                            <a:latin typeface="Cambria Math" panose="02040503050406030204" pitchFamily="18" charset="0"/>
+                            <a:ea typeface="Cambria Math" panose="02040503050406030204" pitchFamily="18" charset="0"/>
+                          </a:rPr>
+                          <m:t>cos</m:t>
+                        </m:r>
+                      </m:fName>
+                      <m:e>
+                        <m:d>
+                          <m:dPr>
+                            <m:ctrlPr>
+                              <a:rPr lang="en-US" b="0" i="1" smtClean="0">
+                                <a:latin typeface="Cambria Math" panose="02040503050406030204" pitchFamily="18" charset="0"/>
+                                <a:ea typeface="Cambria Math" panose="02040503050406030204" pitchFamily="18" charset="0"/>
+                              </a:rPr>
+                            </m:ctrlPr>
+                          </m:dPr>
+                          <m:e>
+                            <m:r>
+                              <a:rPr lang="en-US" b="0" i="1" smtClean="0">
+                                <a:latin typeface="Cambria Math" panose="02040503050406030204" pitchFamily="18" charset="0"/>
+                                <a:ea typeface="Cambria Math" panose="02040503050406030204" pitchFamily="18" charset="0"/>
+                              </a:rPr>
+                              <m:t>𝐴</m:t>
+                            </m:r>
+                          </m:e>
+                        </m:d>
+                      </m:e>
+                    </m:func>
+                    <m:func>
+                      <m:funcPr>
+                        <m:ctrlPr>
+                          <a:rPr lang="en-US" b="0" i="1" smtClean="0">
+                            <a:latin typeface="Cambria Math" panose="02040503050406030204" pitchFamily="18" charset="0"/>
+                            <a:ea typeface="Cambria Math" panose="02040503050406030204" pitchFamily="18" charset="0"/>
+                          </a:rPr>
+                        </m:ctrlPr>
+                      </m:funcPr>
+                      <m:fName>
+                        <m:r>
+                          <m:rPr>
+                            <m:sty m:val="p"/>
+                          </m:rPr>
+                          <a:rPr lang="en-US" b="0" i="0" smtClean="0">
+                            <a:latin typeface="Cambria Math" panose="02040503050406030204" pitchFamily="18" charset="0"/>
+                            <a:ea typeface="Cambria Math" panose="02040503050406030204" pitchFamily="18" charset="0"/>
+                          </a:rPr>
+                          <m:t>sin</m:t>
+                        </m:r>
+                      </m:fName>
+                      <m:e>
+                        <m:d>
+                          <m:dPr>
+                            <m:ctrlPr>
+                              <a:rPr lang="en-US" b="0" i="1" smtClean="0">
+                                <a:latin typeface="Cambria Math" panose="02040503050406030204" pitchFamily="18" charset="0"/>
+                                <a:ea typeface="Cambria Math" panose="02040503050406030204" pitchFamily="18" charset="0"/>
+                              </a:rPr>
+                            </m:ctrlPr>
+                          </m:dPr>
+                          <m:e>
+                            <m:r>
+                              <a:rPr lang="en-US" b="0" i="1" smtClean="0">
+                                <a:latin typeface="Cambria Math" panose="02040503050406030204" pitchFamily="18" charset="0"/>
+                                <a:ea typeface="Cambria Math" panose="02040503050406030204" pitchFamily="18" charset="0"/>
+                              </a:rPr>
+                              <m:t>𝛽</m:t>
+                            </m:r>
+                          </m:e>
+                        </m:d>
+                      </m:e>
+                    </m:func>
+                    <m:func>
+                      <m:funcPr>
+                        <m:ctrlPr>
+                          <a:rPr lang="en-US" b="0" i="1" smtClean="0">
+                            <a:latin typeface="Cambria Math" panose="02040503050406030204" pitchFamily="18" charset="0"/>
+                            <a:ea typeface="Cambria Math" panose="02040503050406030204" pitchFamily="18" charset="0"/>
+                          </a:rPr>
+                        </m:ctrlPr>
+                      </m:funcPr>
+                      <m:fName>
+                        <m:r>
+                          <m:rPr>
+                            <m:sty m:val="p"/>
+                          </m:rPr>
+                          <a:rPr lang="en-US" b="0" i="0" smtClean="0">
+                            <a:latin typeface="Cambria Math" panose="02040503050406030204" pitchFamily="18" charset="0"/>
+                            <a:ea typeface="Cambria Math" panose="02040503050406030204" pitchFamily="18" charset="0"/>
+                          </a:rPr>
+                          <m:t>sin</m:t>
+                        </m:r>
+                      </m:fName>
+                      <m:e>
+                        <m:d>
+                          <m:dPr>
+                            <m:ctrlPr>
+                              <a:rPr lang="en-US" b="0" i="1" smtClean="0">
+                                <a:latin typeface="Cambria Math" panose="02040503050406030204" pitchFamily="18" charset="0"/>
+                                <a:ea typeface="Cambria Math" panose="02040503050406030204" pitchFamily="18" charset="0"/>
+                              </a:rPr>
+                            </m:ctrlPr>
+                          </m:dPr>
+                          <m:e>
+                            <m:r>
+                              <a:rPr lang="en-US" b="0" i="1" smtClean="0">
+                                <a:latin typeface="Cambria Math" panose="02040503050406030204" pitchFamily="18" charset="0"/>
+                                <a:ea typeface="Cambria Math" panose="02040503050406030204" pitchFamily="18" charset="0"/>
+                              </a:rPr>
+                              <m:t>𝛾</m:t>
+                            </m:r>
+                          </m:e>
+                        </m:d>
+                      </m:e>
+                    </m:func>
+                    <m:r>
+                      <a:rPr lang="en-US" b="0" i="1" smtClean="0">
+                        <a:latin typeface="Cambria Math" panose="02040503050406030204" pitchFamily="18" charset="0"/>
+                        <a:ea typeface="Cambria Math" panose="02040503050406030204" pitchFamily="18" charset="0"/>
+                      </a:rPr>
+                      <m:t>+</m:t>
+                    </m:r>
+                    <m:func>
+                      <m:funcPr>
+                        <m:ctrlPr>
+                          <a:rPr lang="en-US" b="0" i="1" smtClean="0">
+                            <a:latin typeface="Cambria Math" panose="02040503050406030204" pitchFamily="18" charset="0"/>
+                            <a:ea typeface="Cambria Math" panose="02040503050406030204" pitchFamily="18" charset="0"/>
+                          </a:rPr>
+                        </m:ctrlPr>
+                      </m:funcPr>
+                      <m:fName>
+                        <m:r>
+                          <m:rPr>
+                            <m:sty m:val="p"/>
+                          </m:rPr>
+                          <a:rPr lang="en-US" b="0" i="0" smtClean="0">
+                            <a:latin typeface="Cambria Math" panose="02040503050406030204" pitchFamily="18" charset="0"/>
+                            <a:ea typeface="Cambria Math" panose="02040503050406030204" pitchFamily="18" charset="0"/>
+                          </a:rPr>
+                          <m:t>cos</m:t>
+                        </m:r>
+                      </m:fName>
+                      <m:e>
+                        <m:d>
+                          <m:dPr>
+                            <m:ctrlPr>
+                              <a:rPr lang="en-US" b="0" i="1" smtClean="0">
+                                <a:latin typeface="Cambria Math" panose="02040503050406030204" pitchFamily="18" charset="0"/>
+                                <a:ea typeface="Cambria Math" panose="02040503050406030204" pitchFamily="18" charset="0"/>
+                              </a:rPr>
+                            </m:ctrlPr>
+                          </m:dPr>
+                          <m:e>
+                            <m:r>
+                              <a:rPr lang="en-US" b="0" i="1" smtClean="0">
+                                <a:latin typeface="Cambria Math" panose="02040503050406030204" pitchFamily="18" charset="0"/>
+                                <a:ea typeface="Cambria Math" panose="02040503050406030204" pitchFamily="18" charset="0"/>
+                              </a:rPr>
+                              <m:t>𝛽</m:t>
+                            </m:r>
+                          </m:e>
+                        </m:d>
+                      </m:e>
+                    </m:func>
+                    <m:func>
+                      <m:funcPr>
+                        <m:ctrlPr>
+                          <a:rPr lang="en-US" b="0" i="1" smtClean="0">
+                            <a:latin typeface="Cambria Math" panose="02040503050406030204" pitchFamily="18" charset="0"/>
+                            <a:ea typeface="Cambria Math" panose="02040503050406030204" pitchFamily="18" charset="0"/>
+                          </a:rPr>
+                        </m:ctrlPr>
+                      </m:funcPr>
+                      <m:fName>
+                        <m:r>
+                          <m:rPr>
+                            <m:sty m:val="p"/>
+                          </m:rPr>
+                          <a:rPr lang="en-US" b="0" i="0" smtClean="0">
+                            <a:latin typeface="Cambria Math" panose="02040503050406030204" pitchFamily="18" charset="0"/>
+                            <a:ea typeface="Cambria Math" panose="02040503050406030204" pitchFamily="18" charset="0"/>
+                          </a:rPr>
+                          <m:t>cos</m:t>
+                        </m:r>
+                      </m:fName>
+                      <m:e>
+                        <m:d>
+                          <m:dPr>
+                            <m:ctrlPr>
+                              <a:rPr lang="en-US" b="0" i="1" smtClean="0">
+                                <a:latin typeface="Cambria Math" panose="02040503050406030204" pitchFamily="18" charset="0"/>
+                                <a:ea typeface="Cambria Math" panose="02040503050406030204" pitchFamily="18" charset="0"/>
+                              </a:rPr>
+                            </m:ctrlPr>
+                          </m:dPr>
+                          <m:e>
+                            <m:r>
+                              <a:rPr lang="en-US" b="0" i="1" smtClean="0">
+                                <a:latin typeface="Cambria Math" panose="02040503050406030204" pitchFamily="18" charset="0"/>
+                                <a:ea typeface="Cambria Math" panose="02040503050406030204" pitchFamily="18" charset="0"/>
+                              </a:rPr>
+                              <m:t>𝛾</m:t>
+                            </m:r>
+                          </m:e>
+                        </m:d>
+                      </m:e>
+                    </m:func>
+                  </m:oMath>
                 </a14:m>
                 <a:endParaRPr lang="en-US" b="0" dirty="0">
                   <a:ea typeface="Cambria Math" panose="02040503050406030204" pitchFamily="18" charset="0"/>
                 </a:endParaRPr>
               </a:p>
               <a:p>
-                <a:pPr/>
+                <a:pPr marL="285750" indent="-285750">
+                  <a:buFont typeface="Arial" panose="020B0604020202020204" pitchFamily="34" charset="0"/>
+                  <a:buChar char="•"/>
+                </a:pPr>
                 <a14:m>
-                  <m:oMathPara xmlns:m="http://schemas.openxmlformats.org/officeDocument/2006/math">
-                    <m:oMathParaPr>
-                      <m:jc m:val="left"/>
-                    </m:oMathParaPr>
-                    <m:oMath xmlns:m="http://schemas.openxmlformats.org/officeDocument/2006/math">
-                      <m:f>
-                        <m:fPr>
-                          <m:ctrlPr>
-                            <a:rPr lang="en-US" i="1" smtClean="0">
-                              <a:latin typeface="Cambria Math" panose="02040503050406030204" pitchFamily="18" charset="0"/>
-                            </a:rPr>
-                          </m:ctrlPr>
-                        </m:fPr>
-                        <m:num>
-                          <m:r>
-                            <m:rPr>
-                              <m:sty m:val="p"/>
-                            </m:rPr>
-                            <a:rPr lang="en-US" b="0" i="0" smtClean="0">
-                              <a:latin typeface="Cambria Math" panose="02040503050406030204" pitchFamily="18" charset="0"/>
-                            </a:rPr>
-                            <m:t>sin</m:t>
-                          </m:r>
-                          <m:r>
-                            <a:rPr lang="en-US" b="0" i="1" smtClean="0">
-                              <a:latin typeface="Cambria Math" panose="02040503050406030204" pitchFamily="18" charset="0"/>
-                            </a:rPr>
-                            <m:t>⁡(</m:t>
-                          </m:r>
-                          <m:r>
-                            <a:rPr lang="en-US" b="0" i="1" smtClean="0">
-                              <a:latin typeface="Cambria Math" panose="02040503050406030204" pitchFamily="18" charset="0"/>
-                              <a:ea typeface="Cambria Math" panose="02040503050406030204" pitchFamily="18" charset="0"/>
-                            </a:rPr>
-                            <m:t>𝛼</m:t>
-                          </m:r>
-                          <m:r>
-                            <a:rPr lang="en-US" b="0" i="1" smtClean="0">
-                              <a:latin typeface="Cambria Math" panose="02040503050406030204" pitchFamily="18" charset="0"/>
-                              <a:ea typeface="Cambria Math" panose="02040503050406030204" pitchFamily="18" charset="0"/>
-                            </a:rPr>
-                            <m:t>)</m:t>
-                          </m:r>
-                        </m:num>
-                        <m:den>
-                          <m:r>
-                            <m:rPr>
-                              <m:sty m:val="p"/>
-                            </m:rPr>
-                            <a:rPr lang="en-US" b="0" i="0" smtClean="0">
-                              <a:latin typeface="Cambria Math" panose="02040503050406030204" pitchFamily="18" charset="0"/>
-                            </a:rPr>
-                            <m:t>sin</m:t>
-                          </m:r>
-                          <m:r>
-                            <a:rPr lang="en-US" b="0" i="1" smtClean="0">
-                              <a:latin typeface="Cambria Math" panose="02040503050406030204" pitchFamily="18" charset="0"/>
-                            </a:rPr>
-                            <m:t>⁡(</m:t>
-                          </m:r>
-                          <m:r>
-                            <a:rPr lang="en-US" b="0" i="1" smtClean="0">
-                              <a:latin typeface="Cambria Math" panose="02040503050406030204" pitchFamily="18" charset="0"/>
-                            </a:rPr>
-                            <m:t>𝐴</m:t>
-                          </m:r>
-                          <m:r>
-                            <a:rPr lang="en-US" b="0" i="1" smtClean="0">
-                              <a:latin typeface="Cambria Math" panose="02040503050406030204" pitchFamily="18" charset="0"/>
-                            </a:rPr>
-                            <m:t>)</m:t>
-                          </m:r>
-                        </m:den>
-                      </m:f>
-                      <m:r>
-                        <a:rPr lang="en-US" b="0" i="1" smtClean="0">
-                          <a:latin typeface="Cambria Math" panose="02040503050406030204" pitchFamily="18" charset="0"/>
-                        </a:rPr>
-                        <m:t>=</m:t>
-                      </m:r>
-                      <m:f>
-                        <m:fPr>
-                          <m:ctrlPr>
-                            <a:rPr lang="en-US" i="1" smtClean="0">
-                              <a:latin typeface="Cambria Math" panose="02040503050406030204" pitchFamily="18" charset="0"/>
-                            </a:rPr>
-                          </m:ctrlPr>
-                        </m:fPr>
-                        <m:num>
-                          <m:r>
-                            <m:rPr>
-                              <m:sty m:val="p"/>
-                            </m:rPr>
-                            <a:rPr lang="en-US" b="0" i="0" smtClean="0">
-                              <a:latin typeface="Cambria Math" panose="02040503050406030204" pitchFamily="18" charset="0"/>
-                            </a:rPr>
-                            <m:t>sin</m:t>
-                          </m:r>
-                          <m:r>
-                            <a:rPr lang="en-US" b="0" i="1" smtClean="0">
-                              <a:latin typeface="Cambria Math" panose="02040503050406030204" pitchFamily="18" charset="0"/>
-                            </a:rPr>
-                            <m:t>⁡(</m:t>
-                          </m:r>
-                          <m:r>
-                            <a:rPr lang="en-US" b="0" i="1" smtClean="0">
-                              <a:latin typeface="Cambria Math" panose="02040503050406030204" pitchFamily="18" charset="0"/>
-                              <a:ea typeface="Cambria Math" panose="02040503050406030204" pitchFamily="18" charset="0"/>
-                            </a:rPr>
-                            <m:t>𝛽</m:t>
-                          </m:r>
-                          <m:r>
-                            <a:rPr lang="en-US" b="0" i="1" smtClean="0">
-                              <a:latin typeface="Cambria Math" panose="02040503050406030204" pitchFamily="18" charset="0"/>
-                              <a:ea typeface="Cambria Math" panose="02040503050406030204" pitchFamily="18" charset="0"/>
-                            </a:rPr>
-                            <m:t>)</m:t>
-                          </m:r>
-                        </m:num>
-                        <m:den>
-                          <m:r>
-                            <m:rPr>
-                              <m:sty m:val="p"/>
-                            </m:rPr>
-                            <a:rPr lang="en-US" b="0" i="0" smtClean="0">
-                              <a:latin typeface="Cambria Math" panose="02040503050406030204" pitchFamily="18" charset="0"/>
-                            </a:rPr>
-                            <m:t>sin</m:t>
-                          </m:r>
-                          <m:r>
-                            <a:rPr lang="en-US" b="0" i="1" smtClean="0">
-                              <a:latin typeface="Cambria Math" panose="02040503050406030204" pitchFamily="18" charset="0"/>
-                            </a:rPr>
-                            <m:t>⁡(</m:t>
-                          </m:r>
-                          <m:r>
-                            <a:rPr lang="en-US" b="0" i="1" smtClean="0">
-                              <a:latin typeface="Cambria Math" panose="02040503050406030204" pitchFamily="18" charset="0"/>
-                            </a:rPr>
-                            <m:t>𝐵</m:t>
-                          </m:r>
-                          <m:r>
-                            <a:rPr lang="en-US" b="0" i="1" smtClean="0">
-                              <a:latin typeface="Cambria Math" panose="02040503050406030204" pitchFamily="18" charset="0"/>
-                            </a:rPr>
-                            <m:t>)</m:t>
-                          </m:r>
-                        </m:den>
-                      </m:f>
-                      <m:r>
-                        <a:rPr lang="en-US" b="0" i="1" smtClean="0">
-                          <a:latin typeface="Cambria Math" panose="02040503050406030204" pitchFamily="18" charset="0"/>
-                        </a:rPr>
-                        <m:t>=</m:t>
-                      </m:r>
-                      <m:f>
-                        <m:fPr>
-                          <m:ctrlPr>
-                            <a:rPr lang="en-US" i="1" smtClean="0">
-                              <a:latin typeface="Cambria Math" panose="02040503050406030204" pitchFamily="18" charset="0"/>
-                            </a:rPr>
-                          </m:ctrlPr>
-                        </m:fPr>
-                        <m:num>
-                          <m:r>
-                            <m:rPr>
-                              <m:sty m:val="p"/>
-                            </m:rPr>
-                            <a:rPr lang="en-US" b="0" i="0" smtClean="0">
-                              <a:latin typeface="Cambria Math" panose="02040503050406030204" pitchFamily="18" charset="0"/>
-                            </a:rPr>
-                            <m:t>sin</m:t>
-                          </m:r>
-                          <m:r>
-                            <a:rPr lang="en-US" b="0" i="1" smtClean="0">
-                              <a:latin typeface="Cambria Math" panose="02040503050406030204" pitchFamily="18" charset="0"/>
-                            </a:rPr>
-                            <m:t>⁡(</m:t>
-                          </m:r>
-                          <m:r>
-                            <a:rPr lang="en-US" b="0" i="1" smtClean="0">
-                              <a:latin typeface="Cambria Math" panose="02040503050406030204" pitchFamily="18" charset="0"/>
-                              <a:ea typeface="Cambria Math" panose="02040503050406030204" pitchFamily="18" charset="0"/>
-                            </a:rPr>
-                            <m:t>𝛾</m:t>
-                          </m:r>
-                          <m:r>
-                            <a:rPr lang="en-US" b="0" i="1" smtClean="0">
-                              <a:latin typeface="Cambria Math" panose="02040503050406030204" pitchFamily="18" charset="0"/>
-                              <a:ea typeface="Cambria Math" panose="02040503050406030204" pitchFamily="18" charset="0"/>
-                            </a:rPr>
-                            <m:t>)</m:t>
-                          </m:r>
-                        </m:num>
-                        <m:den>
-                          <m:r>
-                            <m:rPr>
-                              <m:sty m:val="p"/>
-                            </m:rPr>
-                            <a:rPr lang="en-US" b="0" i="0" smtClean="0">
-                              <a:latin typeface="Cambria Math" panose="02040503050406030204" pitchFamily="18" charset="0"/>
-                            </a:rPr>
-                            <m:t>sin</m:t>
-                          </m:r>
-                          <m:r>
-                            <a:rPr lang="en-US" b="0" i="1" smtClean="0">
-                              <a:latin typeface="Cambria Math" panose="02040503050406030204" pitchFamily="18" charset="0"/>
-                            </a:rPr>
-                            <m:t>⁡(</m:t>
-                          </m:r>
-                          <m:r>
-                            <a:rPr lang="en-US" b="0" i="1" smtClean="0">
-                              <a:latin typeface="Cambria Math" panose="02040503050406030204" pitchFamily="18" charset="0"/>
-                            </a:rPr>
-                            <m:t>𝐶</m:t>
-                          </m:r>
-                          <m:r>
-                            <a:rPr lang="en-US" b="0" i="1" smtClean="0">
-                              <a:latin typeface="Cambria Math" panose="02040503050406030204" pitchFamily="18" charset="0"/>
-                            </a:rPr>
-                            <m:t>)</m:t>
-                          </m:r>
-                        </m:den>
-                      </m:f>
-                    </m:oMath>
-                  </m:oMathPara>
+                  <m:oMath xmlns:m="http://schemas.openxmlformats.org/officeDocument/2006/math">
+                    <m:f>
+                      <m:fPr>
+                        <m:ctrlPr>
+                          <a:rPr lang="en-US" i="1" smtClean="0">
+                            <a:latin typeface="Cambria Math" panose="02040503050406030204" pitchFamily="18" charset="0"/>
+                          </a:rPr>
+                        </m:ctrlPr>
+                      </m:fPr>
+                      <m:num>
+                        <m:r>
+                          <m:rPr>
+                            <m:sty m:val="p"/>
+                          </m:rPr>
+                          <a:rPr lang="en-US" b="0" i="0" smtClean="0">
+                            <a:latin typeface="Cambria Math" panose="02040503050406030204" pitchFamily="18" charset="0"/>
+                          </a:rPr>
+                          <m:t>sin</m:t>
+                        </m:r>
+                        <m:r>
+                          <a:rPr lang="en-US" b="0" i="1" smtClean="0">
+                            <a:latin typeface="Cambria Math" panose="02040503050406030204" pitchFamily="18" charset="0"/>
+                          </a:rPr>
+                          <m:t>⁡(</m:t>
+                        </m:r>
+                        <m:r>
+                          <a:rPr lang="en-US" b="0" i="1" smtClean="0">
+                            <a:latin typeface="Cambria Math" panose="02040503050406030204" pitchFamily="18" charset="0"/>
+                            <a:ea typeface="Cambria Math" panose="02040503050406030204" pitchFamily="18" charset="0"/>
+                          </a:rPr>
+                          <m:t>𝛼</m:t>
+                        </m:r>
+                        <m:r>
+                          <a:rPr lang="en-US" b="0" i="1" smtClean="0">
+                            <a:latin typeface="Cambria Math" panose="02040503050406030204" pitchFamily="18" charset="0"/>
+                            <a:ea typeface="Cambria Math" panose="02040503050406030204" pitchFamily="18" charset="0"/>
+                          </a:rPr>
+                          <m:t>)</m:t>
+                        </m:r>
+                      </m:num>
+                      <m:den>
+                        <m:r>
+                          <m:rPr>
+                            <m:sty m:val="p"/>
+                          </m:rPr>
+                          <a:rPr lang="en-US" b="0" i="0" smtClean="0">
+                            <a:latin typeface="Cambria Math" panose="02040503050406030204" pitchFamily="18" charset="0"/>
+                          </a:rPr>
+                          <m:t>sin</m:t>
+                        </m:r>
+                        <m:r>
+                          <a:rPr lang="en-US" b="0" i="1" smtClean="0">
+                            <a:latin typeface="Cambria Math" panose="02040503050406030204" pitchFamily="18" charset="0"/>
+                          </a:rPr>
+                          <m:t>⁡(</m:t>
+                        </m:r>
+                        <m:r>
+                          <a:rPr lang="en-US" b="0" i="1" smtClean="0">
+                            <a:latin typeface="Cambria Math" panose="02040503050406030204" pitchFamily="18" charset="0"/>
+                          </a:rPr>
+                          <m:t>𝐴</m:t>
+                        </m:r>
+                        <m:r>
+                          <a:rPr lang="en-US" b="0" i="1" smtClean="0">
+                            <a:latin typeface="Cambria Math" panose="02040503050406030204" pitchFamily="18" charset="0"/>
+                          </a:rPr>
+                          <m:t>)</m:t>
+                        </m:r>
+                      </m:den>
+                    </m:f>
+                    <m:r>
+                      <a:rPr lang="en-US" b="0" i="1" smtClean="0">
+                        <a:latin typeface="Cambria Math" panose="02040503050406030204" pitchFamily="18" charset="0"/>
+                      </a:rPr>
+                      <m:t>=</m:t>
+                    </m:r>
+                    <m:f>
+                      <m:fPr>
+                        <m:ctrlPr>
+                          <a:rPr lang="en-US" i="1" smtClean="0">
+                            <a:latin typeface="Cambria Math" panose="02040503050406030204" pitchFamily="18" charset="0"/>
+                          </a:rPr>
+                        </m:ctrlPr>
+                      </m:fPr>
+                      <m:num>
+                        <m:r>
+                          <m:rPr>
+                            <m:sty m:val="p"/>
+                          </m:rPr>
+                          <a:rPr lang="en-US" b="0" i="0" smtClean="0">
+                            <a:latin typeface="Cambria Math" panose="02040503050406030204" pitchFamily="18" charset="0"/>
+                          </a:rPr>
+                          <m:t>sin</m:t>
+                        </m:r>
+                        <m:r>
+                          <a:rPr lang="en-US" b="0" i="1" smtClean="0">
+                            <a:latin typeface="Cambria Math" panose="02040503050406030204" pitchFamily="18" charset="0"/>
+                          </a:rPr>
+                          <m:t>⁡(</m:t>
+                        </m:r>
+                        <m:r>
+                          <a:rPr lang="en-US" b="0" i="1" smtClean="0">
+                            <a:latin typeface="Cambria Math" panose="02040503050406030204" pitchFamily="18" charset="0"/>
+                            <a:ea typeface="Cambria Math" panose="02040503050406030204" pitchFamily="18" charset="0"/>
+                          </a:rPr>
+                          <m:t>𝛽</m:t>
+                        </m:r>
+                        <m:r>
+                          <a:rPr lang="en-US" b="0" i="1" smtClean="0">
+                            <a:latin typeface="Cambria Math" panose="02040503050406030204" pitchFamily="18" charset="0"/>
+                            <a:ea typeface="Cambria Math" panose="02040503050406030204" pitchFamily="18" charset="0"/>
+                          </a:rPr>
+                          <m:t>)</m:t>
+                        </m:r>
+                      </m:num>
+                      <m:den>
+                        <m:r>
+                          <m:rPr>
+                            <m:sty m:val="p"/>
+                          </m:rPr>
+                          <a:rPr lang="en-US" b="0" i="0" smtClean="0">
+                            <a:latin typeface="Cambria Math" panose="02040503050406030204" pitchFamily="18" charset="0"/>
+                          </a:rPr>
+                          <m:t>sin</m:t>
+                        </m:r>
+                        <m:r>
+                          <a:rPr lang="en-US" b="0" i="1" smtClean="0">
+                            <a:latin typeface="Cambria Math" panose="02040503050406030204" pitchFamily="18" charset="0"/>
+                          </a:rPr>
+                          <m:t>⁡(</m:t>
+                        </m:r>
+                        <m:r>
+                          <a:rPr lang="en-US" b="0" i="1" smtClean="0">
+                            <a:latin typeface="Cambria Math" panose="02040503050406030204" pitchFamily="18" charset="0"/>
+                          </a:rPr>
+                          <m:t>𝐵</m:t>
+                        </m:r>
+                        <m:r>
+                          <a:rPr lang="en-US" b="0" i="1" smtClean="0">
+                            <a:latin typeface="Cambria Math" panose="02040503050406030204" pitchFamily="18" charset="0"/>
+                          </a:rPr>
+                          <m:t>)</m:t>
+                        </m:r>
+                      </m:den>
+                    </m:f>
+                    <m:r>
+                      <a:rPr lang="en-US" b="0" i="1" smtClean="0">
+                        <a:latin typeface="Cambria Math" panose="02040503050406030204" pitchFamily="18" charset="0"/>
+                      </a:rPr>
+                      <m:t>=</m:t>
+                    </m:r>
+                    <m:f>
+                      <m:fPr>
+                        <m:ctrlPr>
+                          <a:rPr lang="en-US" i="1" smtClean="0">
+                            <a:latin typeface="Cambria Math" panose="02040503050406030204" pitchFamily="18" charset="0"/>
+                          </a:rPr>
+                        </m:ctrlPr>
+                      </m:fPr>
+                      <m:num>
+                        <m:r>
+                          <m:rPr>
+                            <m:sty m:val="p"/>
+                          </m:rPr>
+                          <a:rPr lang="en-US" b="0" i="0" smtClean="0">
+                            <a:latin typeface="Cambria Math" panose="02040503050406030204" pitchFamily="18" charset="0"/>
+                          </a:rPr>
+                          <m:t>sin</m:t>
+                        </m:r>
+                        <m:r>
+                          <a:rPr lang="en-US" b="0" i="1" smtClean="0">
+                            <a:latin typeface="Cambria Math" panose="02040503050406030204" pitchFamily="18" charset="0"/>
+                          </a:rPr>
+                          <m:t>⁡(</m:t>
+                        </m:r>
+                        <m:r>
+                          <a:rPr lang="en-US" b="0" i="1" smtClean="0">
+                            <a:latin typeface="Cambria Math" panose="02040503050406030204" pitchFamily="18" charset="0"/>
+                            <a:ea typeface="Cambria Math" panose="02040503050406030204" pitchFamily="18" charset="0"/>
+                          </a:rPr>
+                          <m:t>𝛾</m:t>
+                        </m:r>
+                        <m:r>
+                          <a:rPr lang="en-US" b="0" i="1" smtClean="0">
+                            <a:latin typeface="Cambria Math" panose="02040503050406030204" pitchFamily="18" charset="0"/>
+                            <a:ea typeface="Cambria Math" panose="02040503050406030204" pitchFamily="18" charset="0"/>
+                          </a:rPr>
+                          <m:t>)</m:t>
+                        </m:r>
+                      </m:num>
+                      <m:den>
+                        <m:r>
+                          <m:rPr>
+                            <m:sty m:val="p"/>
+                          </m:rPr>
+                          <a:rPr lang="en-US" b="0" i="0" smtClean="0">
+                            <a:latin typeface="Cambria Math" panose="02040503050406030204" pitchFamily="18" charset="0"/>
+                          </a:rPr>
+                          <m:t>sin</m:t>
+                        </m:r>
+                        <m:r>
+                          <a:rPr lang="en-US" b="0" i="1" smtClean="0">
+                            <a:latin typeface="Cambria Math" panose="02040503050406030204" pitchFamily="18" charset="0"/>
+                          </a:rPr>
+                          <m:t>⁡(</m:t>
+                        </m:r>
+                        <m:r>
+                          <a:rPr lang="en-US" b="0" i="1" smtClean="0">
+                            <a:latin typeface="Cambria Math" panose="02040503050406030204" pitchFamily="18" charset="0"/>
+                          </a:rPr>
+                          <m:t>𝐶</m:t>
+                        </m:r>
+                        <m:r>
+                          <a:rPr lang="en-US" b="0" i="1" smtClean="0">
+                            <a:latin typeface="Cambria Math" panose="02040503050406030204" pitchFamily="18" charset="0"/>
+                          </a:rPr>
+                          <m:t>)</m:t>
+                        </m:r>
+                      </m:den>
+                    </m:f>
+                  </m:oMath>
                 </a14:m>
                 <a:endParaRPr lang="en-US" dirty="0"/>
               </a:p>
@@ -6703,7 +6710,7 @@
             </p:nvSpPr>
             <p:spPr>
               <a:xfrm>
-                <a:off x="203137" y="5439832"/>
+                <a:off x="181002" y="5169048"/>
                 <a:ext cx="6906410" cy="369332"/>
               </a:xfrm>
               <a:prstGeom prst="rect">
@@ -6712,7 +6719,7 @@
               <a:blipFill>
                 <a:blip r:embed="rId8"/>
                 <a:stretch>
-                  <a:fillRect l="-550" t="-6667" b="-240000"/>
+                  <a:fillRect l="-734" t="-10000" b="-196667"/>
                 </a:stretch>
               </a:blipFill>
             </p:spPr>

--- a/science/daylight.pptx
+++ b/science/daylight.pptx
@@ -259,7 +259,7 @@
           <a:p>
             <a:fld id="{FC8372F5-6191-5549-9DA1-9839B165F5C0}" type="datetimeFigureOut">
               <a:rPr lang="en-US" smtClean="0"/>
-              <a:t>1/7/22</a:t>
+              <a:t>8/14/22</a:t>
             </a:fld>
             <a:endParaRPr lang="en-US"/>
           </a:p>
@@ -457,7 +457,7 @@
           <a:p>
             <a:fld id="{FC8372F5-6191-5549-9DA1-9839B165F5C0}" type="datetimeFigureOut">
               <a:rPr lang="en-US" smtClean="0"/>
-              <a:t>1/7/22</a:t>
+              <a:t>8/14/22</a:t>
             </a:fld>
             <a:endParaRPr lang="en-US"/>
           </a:p>
@@ -665,7 +665,7 @@
           <a:p>
             <a:fld id="{FC8372F5-6191-5549-9DA1-9839B165F5C0}" type="datetimeFigureOut">
               <a:rPr lang="en-US" smtClean="0"/>
-              <a:t>1/7/22</a:t>
+              <a:t>8/14/22</a:t>
             </a:fld>
             <a:endParaRPr lang="en-US"/>
           </a:p>
@@ -863,7 +863,7 @@
           <a:p>
             <a:fld id="{FC8372F5-6191-5549-9DA1-9839B165F5C0}" type="datetimeFigureOut">
               <a:rPr lang="en-US" smtClean="0"/>
-              <a:t>1/7/22</a:t>
+              <a:t>8/14/22</a:t>
             </a:fld>
             <a:endParaRPr lang="en-US"/>
           </a:p>
@@ -1138,7 +1138,7 @@
           <a:p>
             <a:fld id="{FC8372F5-6191-5549-9DA1-9839B165F5C0}" type="datetimeFigureOut">
               <a:rPr lang="en-US" smtClean="0"/>
-              <a:t>1/7/22</a:t>
+              <a:t>8/14/22</a:t>
             </a:fld>
             <a:endParaRPr lang="en-US"/>
           </a:p>
@@ -1403,7 +1403,7 @@
           <a:p>
             <a:fld id="{FC8372F5-6191-5549-9DA1-9839B165F5C0}" type="datetimeFigureOut">
               <a:rPr lang="en-US" smtClean="0"/>
-              <a:t>1/7/22</a:t>
+              <a:t>8/14/22</a:t>
             </a:fld>
             <a:endParaRPr lang="en-US"/>
           </a:p>
@@ -1815,7 +1815,7 @@
           <a:p>
             <a:fld id="{FC8372F5-6191-5549-9DA1-9839B165F5C0}" type="datetimeFigureOut">
               <a:rPr lang="en-US" smtClean="0"/>
-              <a:t>1/7/22</a:t>
+              <a:t>8/14/22</a:t>
             </a:fld>
             <a:endParaRPr lang="en-US"/>
           </a:p>
@@ -1956,7 +1956,7 @@
           <a:p>
             <a:fld id="{FC8372F5-6191-5549-9DA1-9839B165F5C0}" type="datetimeFigureOut">
               <a:rPr lang="en-US" smtClean="0"/>
-              <a:t>1/7/22</a:t>
+              <a:t>8/14/22</a:t>
             </a:fld>
             <a:endParaRPr lang="en-US"/>
           </a:p>
@@ -2069,7 +2069,7 @@
           <a:p>
             <a:fld id="{FC8372F5-6191-5549-9DA1-9839B165F5C0}" type="datetimeFigureOut">
               <a:rPr lang="en-US" smtClean="0"/>
-              <a:t>1/7/22</a:t>
+              <a:t>8/14/22</a:t>
             </a:fld>
             <a:endParaRPr lang="en-US"/>
           </a:p>
@@ -2380,7 +2380,7 @@
           <a:p>
             <a:fld id="{FC8372F5-6191-5549-9DA1-9839B165F5C0}" type="datetimeFigureOut">
               <a:rPr lang="en-US" smtClean="0"/>
-              <a:t>1/7/22</a:t>
+              <a:t>8/14/22</a:t>
             </a:fld>
             <a:endParaRPr lang="en-US"/>
           </a:p>
@@ -2668,7 +2668,7 @@
           <a:p>
             <a:fld id="{FC8372F5-6191-5549-9DA1-9839B165F5C0}" type="datetimeFigureOut">
               <a:rPr lang="en-US" smtClean="0"/>
-              <a:t>1/7/22</a:t>
+              <a:t>8/14/22</a:t>
             </a:fld>
             <a:endParaRPr lang="en-US"/>
           </a:p>
@@ -2909,7 +2909,7 @@
           <a:p>
             <a:fld id="{FC8372F5-6191-5549-9DA1-9839B165F5C0}" type="datetimeFigureOut">
               <a:rPr lang="en-US" smtClean="0"/>
-              <a:t>1/7/22</a:t>
+              <a:t>8/14/22</a:t>
             </a:fld>
             <a:endParaRPr lang="en-US"/>
           </a:p>
@@ -4632,8 +4632,8 @@
           </a:p>
         </p:txBody>
       </p:sp>
-      <mc:AlternateContent xmlns:mc="http://schemas.openxmlformats.org/markup-compatibility/2006" xmlns:a14="http://schemas.microsoft.com/office/drawing/2010/main">
-        <mc:Choice Requires="a14">
+      <mc:AlternateContent xmlns:mc="http://schemas.openxmlformats.org/markup-compatibility/2006">
+        <mc:Choice xmlns:a14="http://schemas.microsoft.com/office/drawing/2010/main" Requires="a14">
           <p:sp>
             <p:nvSpPr>
               <p:cNvPr id="55" name="TextBox 54">
@@ -4811,6 +4811,21 @@
                           <a:rPr lang="en-US" b="0" i="0" smtClean="0">
                             <a:latin typeface="Cambria Math" panose="02040503050406030204" pitchFamily="18" charset="0"/>
                           </a:rPr>
+                          <m:t>cos</m:t>
+                        </m:r>
+                        <m:r>
+                          <a:rPr lang="en-US" b="0" i="0" smtClean="0">
+                            <a:latin typeface="Cambria Math" panose="02040503050406030204" pitchFamily="18" charset="0"/>
+                          </a:rPr>
+                          <m:t>(</m:t>
+                        </m:r>
+                        <m:r>
+                          <m:rPr>
+                            <m:sty m:val="p"/>
+                          </m:rPr>
+                          <a:rPr lang="en-US" b="0" i="0" smtClean="0">
+                            <a:latin typeface="Cambria Math" panose="02040503050406030204" pitchFamily="18" charset="0"/>
+                          </a:rPr>
                           <m:t>N</m:t>
                         </m:r>
                         <m:sSub>
@@ -4838,6 +4853,12 @@
                             </m:r>
                           </m:sub>
                         </m:sSub>
+                        <m:r>
+                          <a:rPr lang="en-US" b="0" i="1" smtClean="0">
+                            <a:latin typeface="Cambria Math" panose="02040503050406030204" pitchFamily="18" charset="0"/>
+                          </a:rPr>
+                          <m:t>)</m:t>
+                        </m:r>
                         <m:r>
                           <a:rPr lang="en-US" b="0" i="1" smtClean="0">
                             <a:latin typeface="Cambria Math" panose="02040503050406030204" pitchFamily="18" charset="0"/>
@@ -5694,7 +5715,7 @@
             </p:txBody>
           </p:sp>
         </mc:Choice>
-        <mc:Fallback xmlns="">
+        <mc:Fallback>
           <p:sp>
             <p:nvSpPr>
               <p:cNvPr id="55" name="TextBox 54">
@@ -6143,8 +6164,8 @@
           </p:sp>
         </mc:Fallback>
       </mc:AlternateContent>
-      <mc:AlternateContent xmlns:mc="http://schemas.openxmlformats.org/markup-compatibility/2006">
-        <mc:Choice xmlns:a14="http://schemas.microsoft.com/office/drawing/2010/main" Requires="a14">
+      <mc:AlternateContent xmlns:mc="http://schemas.openxmlformats.org/markup-compatibility/2006" xmlns:a14="http://schemas.microsoft.com/office/drawing/2010/main">
+        <mc:Choice Requires="a14">
           <p:sp>
             <p:nvSpPr>
               <p:cNvPr id="63" name="TextBox 62">
@@ -6693,7 +6714,7 @@
             </p:txBody>
           </p:sp>
         </mc:Choice>
-        <mc:Fallback>
+        <mc:Fallback xmlns="">
           <p:sp>
             <p:nvSpPr>
               <p:cNvPr id="63" name="TextBox 62">
